--- a/수업 자료/7 - RG 엔진 기능.pptx
+++ b/수업 자료/7 - RG 엔진 기능.pptx
@@ -282,7 +282,7 @@
           <a:p>
             <a:fld id="{3BAD717E-5B48-41D6-98B3-DB23E84BF0BC}" type="datetimeFigureOut">
               <a:rPr lang="ko-KR" altLang="en-US" smtClean="0"/>
-              <a:t>2021-07-29</a:t>
+              <a:t>2021-07-30</a:t>
             </a:fld>
             <a:endParaRPr lang="ko-KR" altLang="en-US"/>
           </a:p>
@@ -480,7 +480,7 @@
           <a:p>
             <a:fld id="{3BAD717E-5B48-41D6-98B3-DB23E84BF0BC}" type="datetimeFigureOut">
               <a:rPr lang="ko-KR" altLang="en-US" smtClean="0"/>
-              <a:t>2021-07-29</a:t>
+              <a:t>2021-07-30</a:t>
             </a:fld>
             <a:endParaRPr lang="ko-KR" altLang="en-US"/>
           </a:p>
@@ -688,7 +688,7 @@
           <a:p>
             <a:fld id="{3BAD717E-5B48-41D6-98B3-DB23E84BF0BC}" type="datetimeFigureOut">
               <a:rPr lang="ko-KR" altLang="en-US" smtClean="0"/>
-              <a:t>2021-07-29</a:t>
+              <a:t>2021-07-30</a:t>
             </a:fld>
             <a:endParaRPr lang="ko-KR" altLang="en-US"/>
           </a:p>
@@ -886,7 +886,7 @@
           <a:p>
             <a:fld id="{3BAD717E-5B48-41D6-98B3-DB23E84BF0BC}" type="datetimeFigureOut">
               <a:rPr lang="ko-KR" altLang="en-US" smtClean="0"/>
-              <a:t>2021-07-29</a:t>
+              <a:t>2021-07-30</a:t>
             </a:fld>
             <a:endParaRPr lang="ko-KR" altLang="en-US"/>
           </a:p>
@@ -1161,7 +1161,7 @@
           <a:p>
             <a:fld id="{3BAD717E-5B48-41D6-98B3-DB23E84BF0BC}" type="datetimeFigureOut">
               <a:rPr lang="ko-KR" altLang="en-US" smtClean="0"/>
-              <a:t>2021-07-29</a:t>
+              <a:t>2021-07-30</a:t>
             </a:fld>
             <a:endParaRPr lang="ko-KR" altLang="en-US"/>
           </a:p>
@@ -1426,7 +1426,7 @@
           <a:p>
             <a:fld id="{3BAD717E-5B48-41D6-98B3-DB23E84BF0BC}" type="datetimeFigureOut">
               <a:rPr lang="ko-KR" altLang="en-US" smtClean="0"/>
-              <a:t>2021-07-29</a:t>
+              <a:t>2021-07-30</a:t>
             </a:fld>
             <a:endParaRPr lang="ko-KR" altLang="en-US"/>
           </a:p>
@@ -1838,7 +1838,7 @@
           <a:p>
             <a:fld id="{3BAD717E-5B48-41D6-98B3-DB23E84BF0BC}" type="datetimeFigureOut">
               <a:rPr lang="ko-KR" altLang="en-US" smtClean="0"/>
-              <a:t>2021-07-29</a:t>
+              <a:t>2021-07-30</a:t>
             </a:fld>
             <a:endParaRPr lang="ko-KR" altLang="en-US"/>
           </a:p>
@@ -1979,7 +1979,7 @@
           <a:p>
             <a:fld id="{3BAD717E-5B48-41D6-98B3-DB23E84BF0BC}" type="datetimeFigureOut">
               <a:rPr lang="ko-KR" altLang="en-US" smtClean="0"/>
-              <a:t>2021-07-29</a:t>
+              <a:t>2021-07-30</a:t>
             </a:fld>
             <a:endParaRPr lang="ko-KR" altLang="en-US"/>
           </a:p>
@@ -2092,7 +2092,7 @@
           <a:p>
             <a:fld id="{3BAD717E-5B48-41D6-98B3-DB23E84BF0BC}" type="datetimeFigureOut">
               <a:rPr lang="ko-KR" altLang="en-US" smtClean="0"/>
-              <a:t>2021-07-29</a:t>
+              <a:t>2021-07-30</a:t>
             </a:fld>
             <a:endParaRPr lang="ko-KR" altLang="en-US"/>
           </a:p>
@@ -2403,7 +2403,7 @@
           <a:p>
             <a:fld id="{3BAD717E-5B48-41D6-98B3-DB23E84BF0BC}" type="datetimeFigureOut">
               <a:rPr lang="ko-KR" altLang="en-US" smtClean="0"/>
-              <a:t>2021-07-29</a:t>
+              <a:t>2021-07-30</a:t>
             </a:fld>
             <a:endParaRPr lang="ko-KR" altLang="en-US"/>
           </a:p>
@@ -2691,7 +2691,7 @@
           <a:p>
             <a:fld id="{3BAD717E-5B48-41D6-98B3-DB23E84BF0BC}" type="datetimeFigureOut">
               <a:rPr lang="ko-KR" altLang="en-US" smtClean="0"/>
-              <a:t>2021-07-29</a:t>
+              <a:t>2021-07-30</a:t>
             </a:fld>
             <a:endParaRPr lang="ko-KR" altLang="en-US"/>
           </a:p>
@@ -2932,7 +2932,7 @@
           <a:p>
             <a:fld id="{3BAD717E-5B48-41D6-98B3-DB23E84BF0BC}" type="datetimeFigureOut">
               <a:rPr lang="ko-KR" altLang="en-US" smtClean="0"/>
-              <a:t>2021-07-29</a:t>
+              <a:t>2021-07-30</a:t>
             </a:fld>
             <a:endParaRPr lang="ko-KR" altLang="en-US"/>
           </a:p>
@@ -16197,7 +16197,7 @@
         </p:nvSpPr>
         <p:spPr>
           <a:xfrm>
-            <a:off x="2164369" y="1737576"/>
+            <a:off x="2132430" y="1737576"/>
             <a:ext cx="2089033" cy="338554"/>
           </a:xfrm>
           <a:prstGeom prst="rect">
@@ -16283,7 +16283,7 @@
         </p:nvSpPr>
         <p:spPr>
           <a:xfrm>
-            <a:off x="3246357" y="1302805"/>
+            <a:off x="3204581" y="1302805"/>
             <a:ext cx="2281395" cy="338554"/>
           </a:xfrm>
           <a:prstGeom prst="rect">

--- a/수업 자료/7 - RG 엔진 기능.pptx
+++ b/수업 자료/7 - RG 엔진 기능.pptx
@@ -1,6 +1,6 @@
 
 <file path=ppt/presentation.xml><?xml version="1.0" encoding="utf-8"?>
-<p:presentation xmlns:a="http://schemas.openxmlformats.org/drawingml/2006/main" xmlns:r="http://schemas.openxmlformats.org/officeDocument/2006/relationships" xmlns:p="http://schemas.openxmlformats.org/presentationml/2006/main" saveSubsetFonts="1">
+<p:presentation xmlns:a="http://schemas.openxmlformats.org/drawingml/2006/main" xmlns:r="http://schemas.openxmlformats.org/officeDocument/2006/relationships" xmlns:p="http://schemas.openxmlformats.org/presentationml/2006/main" embedTrueTypeFonts="1" saveSubsetFonts="1">
   <p:sldMasterIdLst>
     <p:sldMasterId id="2147483648" r:id="rId1"/>
   </p:sldMasterIdLst>
@@ -32,6 +32,24 @@
   </p:sldIdLst>
   <p:sldSz cx="12192000" cy="6858000"/>
   <p:notesSz cx="6858000" cy="9144000"/>
+  <p:embeddedFontLst>
+    <p:embeddedFont>
+      <p:font typeface="나눔고딕 Light" panose="020D0904000000000000" pitchFamily="50" charset="-127"/>
+      <p:regular r:id="rId26"/>
+    </p:embeddedFont>
+    <p:embeddedFont>
+      <p:font typeface="맑은 고딕" panose="020B0503020000020004" pitchFamily="50" charset="-127"/>
+      <p:regular r:id="rId27"/>
+      <p:bold r:id="rId28"/>
+    </p:embeddedFont>
+    <p:embeddedFont>
+      <p:font typeface="Consolas" panose="020B0609020204030204" pitchFamily="49" charset="0"/>
+      <p:regular r:id="rId29"/>
+      <p:bold r:id="rId30"/>
+      <p:italic r:id="rId31"/>
+      <p:boldItalic r:id="rId32"/>
+    </p:embeddedFont>
+  </p:embeddedFontLst>
   <p:defaultTextStyle>
     <a:defPPr>
       <a:defRPr lang="ko-KR"/>
@@ -282,7 +300,7 @@
           <a:p>
             <a:fld id="{3BAD717E-5B48-41D6-98B3-DB23E84BF0BC}" type="datetimeFigureOut">
               <a:rPr lang="ko-KR" altLang="en-US" smtClean="0"/>
-              <a:t>2021-07-30</a:t>
+              <a:t>2021-08-02</a:t>
             </a:fld>
             <a:endParaRPr lang="ko-KR" altLang="en-US"/>
           </a:p>
@@ -480,7 +498,7 @@
           <a:p>
             <a:fld id="{3BAD717E-5B48-41D6-98B3-DB23E84BF0BC}" type="datetimeFigureOut">
               <a:rPr lang="ko-KR" altLang="en-US" smtClean="0"/>
-              <a:t>2021-07-30</a:t>
+              <a:t>2021-08-02</a:t>
             </a:fld>
             <a:endParaRPr lang="ko-KR" altLang="en-US"/>
           </a:p>
@@ -688,7 +706,7 @@
           <a:p>
             <a:fld id="{3BAD717E-5B48-41D6-98B3-DB23E84BF0BC}" type="datetimeFigureOut">
               <a:rPr lang="ko-KR" altLang="en-US" smtClean="0"/>
-              <a:t>2021-07-30</a:t>
+              <a:t>2021-08-02</a:t>
             </a:fld>
             <a:endParaRPr lang="ko-KR" altLang="en-US"/>
           </a:p>
@@ -886,7 +904,7 @@
           <a:p>
             <a:fld id="{3BAD717E-5B48-41D6-98B3-DB23E84BF0BC}" type="datetimeFigureOut">
               <a:rPr lang="ko-KR" altLang="en-US" smtClean="0"/>
-              <a:t>2021-07-30</a:t>
+              <a:t>2021-08-02</a:t>
             </a:fld>
             <a:endParaRPr lang="ko-KR" altLang="en-US"/>
           </a:p>
@@ -1161,7 +1179,7 @@
           <a:p>
             <a:fld id="{3BAD717E-5B48-41D6-98B3-DB23E84BF0BC}" type="datetimeFigureOut">
               <a:rPr lang="ko-KR" altLang="en-US" smtClean="0"/>
-              <a:t>2021-07-30</a:t>
+              <a:t>2021-08-02</a:t>
             </a:fld>
             <a:endParaRPr lang="ko-KR" altLang="en-US"/>
           </a:p>
@@ -1426,7 +1444,7 @@
           <a:p>
             <a:fld id="{3BAD717E-5B48-41D6-98B3-DB23E84BF0BC}" type="datetimeFigureOut">
               <a:rPr lang="ko-KR" altLang="en-US" smtClean="0"/>
-              <a:t>2021-07-30</a:t>
+              <a:t>2021-08-02</a:t>
             </a:fld>
             <a:endParaRPr lang="ko-KR" altLang="en-US"/>
           </a:p>
@@ -1838,7 +1856,7 @@
           <a:p>
             <a:fld id="{3BAD717E-5B48-41D6-98B3-DB23E84BF0BC}" type="datetimeFigureOut">
               <a:rPr lang="ko-KR" altLang="en-US" smtClean="0"/>
-              <a:t>2021-07-30</a:t>
+              <a:t>2021-08-02</a:t>
             </a:fld>
             <a:endParaRPr lang="ko-KR" altLang="en-US"/>
           </a:p>
@@ -1979,7 +1997,7 @@
           <a:p>
             <a:fld id="{3BAD717E-5B48-41D6-98B3-DB23E84BF0BC}" type="datetimeFigureOut">
               <a:rPr lang="ko-KR" altLang="en-US" smtClean="0"/>
-              <a:t>2021-07-30</a:t>
+              <a:t>2021-08-02</a:t>
             </a:fld>
             <a:endParaRPr lang="ko-KR" altLang="en-US"/>
           </a:p>
@@ -2092,7 +2110,7 @@
           <a:p>
             <a:fld id="{3BAD717E-5B48-41D6-98B3-DB23E84BF0BC}" type="datetimeFigureOut">
               <a:rPr lang="ko-KR" altLang="en-US" smtClean="0"/>
-              <a:t>2021-07-30</a:t>
+              <a:t>2021-08-02</a:t>
             </a:fld>
             <a:endParaRPr lang="ko-KR" altLang="en-US"/>
           </a:p>
@@ -2403,7 +2421,7 @@
           <a:p>
             <a:fld id="{3BAD717E-5B48-41D6-98B3-DB23E84BF0BC}" type="datetimeFigureOut">
               <a:rPr lang="ko-KR" altLang="en-US" smtClean="0"/>
-              <a:t>2021-07-30</a:t>
+              <a:t>2021-08-02</a:t>
             </a:fld>
             <a:endParaRPr lang="ko-KR" altLang="en-US"/>
           </a:p>
@@ -2691,7 +2709,7 @@
           <a:p>
             <a:fld id="{3BAD717E-5B48-41D6-98B3-DB23E84BF0BC}" type="datetimeFigureOut">
               <a:rPr lang="ko-KR" altLang="en-US" smtClean="0"/>
-              <a:t>2021-07-30</a:t>
+              <a:t>2021-08-02</a:t>
             </a:fld>
             <a:endParaRPr lang="ko-KR" altLang="en-US"/>
           </a:p>
@@ -2932,7 +2950,7 @@
           <a:p>
             <a:fld id="{3BAD717E-5B48-41D6-98B3-DB23E84BF0BC}" type="datetimeFigureOut">
               <a:rPr lang="ko-KR" altLang="en-US" smtClean="0"/>
-              <a:t>2021-07-30</a:t>
+              <a:t>2021-08-02</a:t>
             </a:fld>
             <a:endParaRPr lang="ko-KR" altLang="en-US"/>
           </a:p>

--- a/수업 자료/7 - RG 엔진 기능.pptx
+++ b/수업 자료/7 - RG 엔진 기능.pptx
@@ -26,28 +26,26 @@
     <p:sldId id="353" r:id="rId20"/>
     <p:sldId id="354" r:id="rId21"/>
     <p:sldId id="337" r:id="rId22"/>
-    <p:sldId id="270" r:id="rId23"/>
-    <p:sldId id="305" r:id="rId24"/>
-    <p:sldId id="306" r:id="rId25"/>
+    <p:sldId id="306" r:id="rId23"/>
   </p:sldIdLst>
   <p:sldSz cx="12192000" cy="6858000"/>
   <p:notesSz cx="6858000" cy="9144000"/>
   <p:embeddedFontLst>
     <p:embeddedFont>
+      <p:font typeface="Consolas" panose="020B0609020204030204" pitchFamily="49" charset="0"/>
+      <p:regular r:id="rId24"/>
+      <p:bold r:id="rId25"/>
+      <p:italic r:id="rId26"/>
+      <p:boldItalic r:id="rId27"/>
+    </p:embeddedFont>
+    <p:embeddedFont>
       <p:font typeface="나눔고딕 Light" panose="020D0904000000000000" pitchFamily="50" charset="-127"/>
-      <p:regular r:id="rId26"/>
+      <p:regular r:id="rId28"/>
     </p:embeddedFont>
     <p:embeddedFont>
       <p:font typeface="맑은 고딕" panose="020B0503020000020004" pitchFamily="50" charset="-127"/>
-      <p:regular r:id="rId27"/>
-      <p:bold r:id="rId28"/>
-    </p:embeddedFont>
-    <p:embeddedFont>
-      <p:font typeface="Consolas" panose="020B0609020204030204" pitchFamily="49" charset="0"/>
       <p:regular r:id="rId29"/>
       <p:bold r:id="rId30"/>
-      <p:italic r:id="rId31"/>
-      <p:boldItalic r:id="rId32"/>
     </p:embeddedFont>
   </p:embeddedFontLst>
   <p:defaultTextStyle>
@@ -300,7 +298,7 @@
           <a:p>
             <a:fld id="{3BAD717E-5B48-41D6-98B3-DB23E84BF0BC}" type="datetimeFigureOut">
               <a:rPr lang="ko-KR" altLang="en-US" smtClean="0"/>
-              <a:t>2021-08-02</a:t>
+              <a:t>2021-08-05</a:t>
             </a:fld>
             <a:endParaRPr lang="ko-KR" altLang="en-US"/>
           </a:p>
@@ -498,7 +496,7 @@
           <a:p>
             <a:fld id="{3BAD717E-5B48-41D6-98B3-DB23E84BF0BC}" type="datetimeFigureOut">
               <a:rPr lang="ko-KR" altLang="en-US" smtClean="0"/>
-              <a:t>2021-08-02</a:t>
+              <a:t>2021-08-05</a:t>
             </a:fld>
             <a:endParaRPr lang="ko-KR" altLang="en-US"/>
           </a:p>
@@ -706,7 +704,7 @@
           <a:p>
             <a:fld id="{3BAD717E-5B48-41D6-98B3-DB23E84BF0BC}" type="datetimeFigureOut">
               <a:rPr lang="ko-KR" altLang="en-US" smtClean="0"/>
-              <a:t>2021-08-02</a:t>
+              <a:t>2021-08-05</a:t>
             </a:fld>
             <a:endParaRPr lang="ko-KR" altLang="en-US"/>
           </a:p>
@@ -904,7 +902,7 @@
           <a:p>
             <a:fld id="{3BAD717E-5B48-41D6-98B3-DB23E84BF0BC}" type="datetimeFigureOut">
               <a:rPr lang="ko-KR" altLang="en-US" smtClean="0"/>
-              <a:t>2021-08-02</a:t>
+              <a:t>2021-08-05</a:t>
             </a:fld>
             <a:endParaRPr lang="ko-KR" altLang="en-US"/>
           </a:p>
@@ -1179,7 +1177,7 @@
           <a:p>
             <a:fld id="{3BAD717E-5B48-41D6-98B3-DB23E84BF0BC}" type="datetimeFigureOut">
               <a:rPr lang="ko-KR" altLang="en-US" smtClean="0"/>
-              <a:t>2021-08-02</a:t>
+              <a:t>2021-08-05</a:t>
             </a:fld>
             <a:endParaRPr lang="ko-KR" altLang="en-US"/>
           </a:p>
@@ -1444,7 +1442,7 @@
           <a:p>
             <a:fld id="{3BAD717E-5B48-41D6-98B3-DB23E84BF0BC}" type="datetimeFigureOut">
               <a:rPr lang="ko-KR" altLang="en-US" smtClean="0"/>
-              <a:t>2021-08-02</a:t>
+              <a:t>2021-08-05</a:t>
             </a:fld>
             <a:endParaRPr lang="ko-KR" altLang="en-US"/>
           </a:p>
@@ -1856,7 +1854,7 @@
           <a:p>
             <a:fld id="{3BAD717E-5B48-41D6-98B3-DB23E84BF0BC}" type="datetimeFigureOut">
               <a:rPr lang="ko-KR" altLang="en-US" smtClean="0"/>
-              <a:t>2021-08-02</a:t>
+              <a:t>2021-08-05</a:t>
             </a:fld>
             <a:endParaRPr lang="ko-KR" altLang="en-US"/>
           </a:p>
@@ -1997,7 +1995,7 @@
           <a:p>
             <a:fld id="{3BAD717E-5B48-41D6-98B3-DB23E84BF0BC}" type="datetimeFigureOut">
               <a:rPr lang="ko-KR" altLang="en-US" smtClean="0"/>
-              <a:t>2021-08-02</a:t>
+              <a:t>2021-08-05</a:t>
             </a:fld>
             <a:endParaRPr lang="ko-KR" altLang="en-US"/>
           </a:p>
@@ -2110,7 +2108,7 @@
           <a:p>
             <a:fld id="{3BAD717E-5B48-41D6-98B3-DB23E84BF0BC}" type="datetimeFigureOut">
               <a:rPr lang="ko-KR" altLang="en-US" smtClean="0"/>
-              <a:t>2021-08-02</a:t>
+              <a:t>2021-08-05</a:t>
             </a:fld>
             <a:endParaRPr lang="ko-KR" altLang="en-US"/>
           </a:p>
@@ -2421,7 +2419,7 @@
           <a:p>
             <a:fld id="{3BAD717E-5B48-41D6-98B3-DB23E84BF0BC}" type="datetimeFigureOut">
               <a:rPr lang="ko-KR" altLang="en-US" smtClean="0"/>
-              <a:t>2021-08-02</a:t>
+              <a:t>2021-08-05</a:t>
             </a:fld>
             <a:endParaRPr lang="ko-KR" altLang="en-US"/>
           </a:p>
@@ -2709,7 +2707,7 @@
           <a:p>
             <a:fld id="{3BAD717E-5B48-41D6-98B3-DB23E84BF0BC}" type="datetimeFigureOut">
               <a:rPr lang="ko-KR" altLang="en-US" smtClean="0"/>
-              <a:t>2021-08-02</a:t>
+              <a:t>2021-08-05</a:t>
             </a:fld>
             <a:endParaRPr lang="ko-KR" altLang="en-US"/>
           </a:p>
@@ -2950,7 +2948,7 @@
           <a:p>
             <a:fld id="{3BAD717E-5B48-41D6-98B3-DB23E84BF0BC}" type="datetimeFigureOut">
               <a:rPr lang="ko-KR" altLang="en-US" smtClean="0"/>
-              <a:t>2021-08-02</a:t>
+              <a:t>2021-08-05</a:t>
             </a:fld>
             <a:endParaRPr lang="ko-KR" altLang="en-US"/>
           </a:p>
@@ -13123,364 +13121,6 @@
         </p:nvSpPr>
         <p:spPr>
           <a:xfrm>
-            <a:off x="5207777" y="2629032"/>
-            <a:ext cx="1776448" cy="707886"/>
-          </a:xfrm>
-          <a:prstGeom prst="rect">
-            <a:avLst/>
-          </a:prstGeom>
-          <a:noFill/>
-        </p:spPr>
-        <p:txBody>
-          <a:bodyPr wrap="none" rtlCol="0">
-            <a:spAutoFit/>
-          </a:bodyPr>
-          <a:lstStyle/>
-          <a:p>
-            <a:pPr algn="ctr"/>
-            <a:r>
-              <a:rPr lang="ko-KR" altLang="en-US" sz="4000">
-                <a:latin typeface="나눔고딕 Light" panose="020D0904000000000000" pitchFamily="50" charset="-127"/>
-                <a:ea typeface="나눔고딕 Light" panose="020D0904000000000000" pitchFamily="50" charset="-127"/>
-              </a:rPr>
-              <a:t>수업 끝</a:t>
-            </a:r>
-          </a:p>
-        </p:txBody>
-      </p:sp>
-      <p:sp>
-        <p:nvSpPr>
-          <p:cNvPr id="3" name="TextBox 2">
-            <a:extLst>
-              <a:ext uri="{FF2B5EF4-FFF2-40B4-BE49-F238E27FC236}">
-                <a16:creationId xmlns:a16="http://schemas.microsoft.com/office/drawing/2014/main" id="{3D4DB731-0D09-4D43-B30D-F113660223A3}"/>
-              </a:ext>
-            </a:extLst>
-          </p:cNvPr>
-          <p:cNvSpPr txBox="1"/>
-          <p:nvPr/>
-        </p:nvSpPr>
-        <p:spPr>
-          <a:xfrm>
-            <a:off x="3595155" y="3336918"/>
-            <a:ext cx="1960793" cy="400110"/>
-          </a:xfrm>
-          <a:prstGeom prst="rect">
-            <a:avLst/>
-          </a:prstGeom>
-          <a:noFill/>
-        </p:spPr>
-        <p:txBody>
-          <a:bodyPr wrap="none" rtlCol="0">
-            <a:spAutoFit/>
-          </a:bodyPr>
-          <a:lstStyle/>
-          <a:p>
-            <a:r>
-              <a:rPr lang="en-US" altLang="ko-KR" sz="2000">
-                <a:latin typeface="나눔고딕 Light" panose="020D0904000000000000" pitchFamily="50" charset="-127"/>
-                <a:ea typeface="나눔고딕 Light" panose="020D0904000000000000" pitchFamily="50" charset="-127"/>
-              </a:rPr>
-              <a:t>7. RG </a:t>
-            </a:r>
-            <a:r>
-              <a:rPr lang="ko-KR" altLang="en-US" sz="2000">
-                <a:latin typeface="나눔고딕 Light" panose="020D0904000000000000" pitchFamily="50" charset="-127"/>
-                <a:ea typeface="나눔고딕 Light" panose="020D0904000000000000" pitchFamily="50" charset="-127"/>
-              </a:rPr>
-              <a:t>엔진 기능</a:t>
-            </a:r>
-            <a:endParaRPr lang="en-US" altLang="ko-KR" sz="2000">
-              <a:latin typeface="나눔고딕 Light" panose="020D0904000000000000" pitchFamily="50" charset="-127"/>
-              <a:ea typeface="나눔고딕 Light" panose="020D0904000000000000" pitchFamily="50" charset="-127"/>
-            </a:endParaRPr>
-          </a:p>
-        </p:txBody>
-      </p:sp>
-      <p:cxnSp>
-        <p:nvCxnSpPr>
-          <p:cNvPr id="4" name="직선 연결선 3">
-            <a:extLst>
-              <a:ext uri="{FF2B5EF4-FFF2-40B4-BE49-F238E27FC236}">
-                <a16:creationId xmlns:a16="http://schemas.microsoft.com/office/drawing/2014/main" id="{7442459B-3DED-44F0-9E4C-B50601FEB425}"/>
-              </a:ext>
-            </a:extLst>
-          </p:cNvPr>
-          <p:cNvCxnSpPr/>
-          <p:nvPr/>
-        </p:nvCxnSpPr>
-        <p:spPr>
-          <a:xfrm>
-            <a:off x="3642861" y="3328967"/>
-            <a:ext cx="4858247" cy="0"/>
-          </a:xfrm>
-          <a:prstGeom prst="line">
-            <a:avLst/>
-          </a:prstGeom>
-          <a:ln>
-            <a:solidFill>
-              <a:schemeClr val="tx1"/>
-            </a:solidFill>
-          </a:ln>
-        </p:spPr>
-        <p:style>
-          <a:lnRef idx="1">
-            <a:schemeClr val="accent1"/>
-          </a:lnRef>
-          <a:fillRef idx="0">
-            <a:schemeClr val="accent1"/>
-          </a:fillRef>
-          <a:effectRef idx="0">
-            <a:schemeClr val="accent1"/>
-          </a:effectRef>
-          <a:fontRef idx="minor">
-            <a:schemeClr val="tx1"/>
-          </a:fontRef>
-        </p:style>
-      </p:cxnSp>
-    </p:spTree>
-    <p:extLst>
-      <p:ext uri="{BB962C8B-B14F-4D97-AF65-F5344CB8AC3E}">
-        <p14:creationId xmlns:p14="http://schemas.microsoft.com/office/powerpoint/2010/main" val="297037247"/>
-      </p:ext>
-    </p:extLst>
-  </p:cSld>
-  <p:clrMapOvr>
-    <a:masterClrMapping/>
-  </p:clrMapOvr>
-</p:sld>
-</file>
-
-<file path=ppt/slides/slide23.xml><?xml version="1.0" encoding="utf-8"?>
-<p:sld xmlns:a="http://schemas.openxmlformats.org/drawingml/2006/main" xmlns:r="http://schemas.openxmlformats.org/officeDocument/2006/relationships" xmlns:p="http://schemas.openxmlformats.org/presentationml/2006/main">
-  <p:cSld>
-    <p:spTree>
-      <p:nvGrpSpPr>
-        <p:cNvPr id="1" name=""/>
-        <p:cNvGrpSpPr/>
-        <p:nvPr/>
-      </p:nvGrpSpPr>
-      <p:grpSpPr>
-        <a:xfrm>
-          <a:off x="0" y="0"/>
-          <a:ext cx="0" cy="0"/>
-          <a:chOff x="0" y="0"/>
-          <a:chExt cx="0" cy="0"/>
-        </a:xfrm>
-      </p:grpSpPr>
-      <p:grpSp>
-        <p:nvGrpSpPr>
-          <p:cNvPr id="13" name="그룹 12">
-            <a:extLst>
-              <a:ext uri="{FF2B5EF4-FFF2-40B4-BE49-F238E27FC236}">
-                <a16:creationId xmlns:a16="http://schemas.microsoft.com/office/drawing/2014/main" id="{1B38232E-B195-4659-A498-9F3BC9A92F9C}"/>
-              </a:ext>
-            </a:extLst>
-          </p:cNvPr>
-          <p:cNvGrpSpPr/>
-          <p:nvPr/>
-        </p:nvGrpSpPr>
-        <p:grpSpPr>
-          <a:xfrm>
-            <a:off x="585195" y="602369"/>
-            <a:ext cx="6392818" cy="1418209"/>
-            <a:chOff x="585195" y="602369"/>
-            <a:chExt cx="6392818" cy="1418209"/>
-          </a:xfrm>
-        </p:grpSpPr>
-        <p:grpSp>
-          <p:nvGrpSpPr>
-            <p:cNvPr id="2" name="그룹 1">
-              <a:extLst>
-                <a:ext uri="{FF2B5EF4-FFF2-40B4-BE49-F238E27FC236}">
-                  <a16:creationId xmlns:a16="http://schemas.microsoft.com/office/drawing/2014/main" id="{12A41C93-712B-47EC-A47C-A276B2DE9A6D}"/>
-                </a:ext>
-              </a:extLst>
-            </p:cNvPr>
-            <p:cNvGrpSpPr/>
-            <p:nvPr/>
-          </p:nvGrpSpPr>
-          <p:grpSpPr>
-            <a:xfrm>
-              <a:off x="585195" y="602369"/>
-              <a:ext cx="5989460" cy="1418209"/>
-              <a:chOff x="585195" y="602369"/>
-              <a:chExt cx="5989460" cy="1418209"/>
-            </a:xfrm>
-          </p:grpSpPr>
-          <p:sp>
-            <p:nvSpPr>
-              <p:cNvPr id="6" name="TextBox 5">
-                <a:extLst>
-                  <a:ext uri="{FF2B5EF4-FFF2-40B4-BE49-F238E27FC236}">
-                    <a16:creationId xmlns:a16="http://schemas.microsoft.com/office/drawing/2014/main" id="{F453C929-8CA3-4E79-AF5D-99EC8407C6CF}"/>
-                  </a:ext>
-                </a:extLst>
-              </p:cNvPr>
-              <p:cNvSpPr txBox="1"/>
-              <p:nvPr/>
-            </p:nvSpPr>
-            <p:spPr>
-              <a:xfrm>
-                <a:off x="5617342" y="602369"/>
-                <a:ext cx="957313" cy="584775"/>
-              </a:xfrm>
-              <a:prstGeom prst="rect">
-                <a:avLst/>
-              </a:prstGeom>
-              <a:noFill/>
-            </p:spPr>
-            <p:txBody>
-              <a:bodyPr wrap="none" rtlCol="0">
-                <a:spAutoFit/>
-              </a:bodyPr>
-              <a:lstStyle/>
-              <a:p>
-                <a:pPr algn="ctr"/>
-                <a:r>
-                  <a:rPr lang="ko-KR" altLang="en-US" sz="3200">
-                    <a:latin typeface="나눔고딕 Light" panose="020D0904000000000000" pitchFamily="50" charset="-127"/>
-                    <a:ea typeface="나눔고딕 Light" panose="020D0904000000000000" pitchFamily="50" charset="-127"/>
-                  </a:rPr>
-                  <a:t>과제</a:t>
-                </a:r>
-              </a:p>
-            </p:txBody>
-          </p:sp>
-          <p:sp>
-            <p:nvSpPr>
-              <p:cNvPr id="3" name="TextBox 2">
-                <a:extLst>
-                  <a:ext uri="{FF2B5EF4-FFF2-40B4-BE49-F238E27FC236}">
-                    <a16:creationId xmlns:a16="http://schemas.microsoft.com/office/drawing/2014/main" id="{3D4DB731-0D09-4D43-B30D-F113660223A3}"/>
-                  </a:ext>
-                </a:extLst>
-              </p:cNvPr>
-              <p:cNvSpPr txBox="1"/>
-              <p:nvPr/>
-            </p:nvSpPr>
-            <p:spPr>
-              <a:xfrm>
-                <a:off x="585195" y="1620468"/>
-                <a:ext cx="1127232" cy="400110"/>
-              </a:xfrm>
-              <a:prstGeom prst="rect">
-                <a:avLst/>
-              </a:prstGeom>
-              <a:noFill/>
-            </p:spPr>
-            <p:txBody>
-              <a:bodyPr wrap="none" rtlCol="0">
-                <a:spAutoFit/>
-              </a:bodyPr>
-              <a:lstStyle/>
-              <a:p>
-                <a:pPr marL="457200" indent="-457200">
-                  <a:buAutoNum type="arabicPeriod"/>
-                </a:pPr>
-                <a:r>
-                  <a:rPr lang="ko-KR" altLang="en-US" sz="2000">
-                    <a:latin typeface="나눔고딕 Light" panose="020D0904000000000000" pitchFamily="50" charset="-127"/>
-                    <a:ea typeface="나눔고딕 Light" panose="020D0904000000000000" pitchFamily="50" charset="-127"/>
-                  </a:rPr>
-                  <a:t>없음</a:t>
-                </a:r>
-                <a:endParaRPr lang="en-US" altLang="ko-KR" sz="2000">
-                  <a:latin typeface="나눔고딕 Light" panose="020D0904000000000000" pitchFamily="50" charset="-127"/>
-                  <a:ea typeface="나눔고딕 Light" panose="020D0904000000000000" pitchFamily="50" charset="-127"/>
-                </a:endParaRPr>
-              </a:p>
-            </p:txBody>
-          </p:sp>
-        </p:grpSp>
-        <p:cxnSp>
-          <p:nvCxnSpPr>
-            <p:cNvPr id="4" name="직선 연결선 3">
-              <a:extLst>
-                <a:ext uri="{FF2B5EF4-FFF2-40B4-BE49-F238E27FC236}">
-                  <a16:creationId xmlns:a16="http://schemas.microsoft.com/office/drawing/2014/main" id="{7442459B-3DED-44F0-9E4C-B50601FEB425}"/>
-                </a:ext>
-              </a:extLst>
-            </p:cNvPr>
-            <p:cNvCxnSpPr>
-              <a:cxnSpLocks/>
-            </p:cNvCxnSpPr>
-            <p:nvPr/>
-          </p:nvCxnSpPr>
-          <p:spPr>
-            <a:xfrm>
-              <a:off x="5213987" y="1221148"/>
-              <a:ext cx="1764026" cy="0"/>
-            </a:xfrm>
-            <a:prstGeom prst="line">
-              <a:avLst/>
-            </a:prstGeom>
-            <a:ln>
-              <a:solidFill>
-                <a:schemeClr val="tx1"/>
-              </a:solidFill>
-            </a:ln>
-          </p:spPr>
-          <p:style>
-            <a:lnRef idx="1">
-              <a:schemeClr val="accent1"/>
-            </a:lnRef>
-            <a:fillRef idx="0">
-              <a:schemeClr val="accent1"/>
-            </a:fillRef>
-            <a:effectRef idx="0">
-              <a:schemeClr val="accent1"/>
-            </a:effectRef>
-            <a:fontRef idx="minor">
-              <a:schemeClr val="tx1"/>
-            </a:fontRef>
-          </p:style>
-        </p:cxnSp>
-      </p:grpSp>
-    </p:spTree>
-    <p:extLst>
-      <p:ext uri="{BB962C8B-B14F-4D97-AF65-F5344CB8AC3E}">
-        <p14:creationId xmlns:p14="http://schemas.microsoft.com/office/powerpoint/2010/main" val="2465698924"/>
-      </p:ext>
-    </p:extLst>
-  </p:cSld>
-  <p:clrMapOvr>
-    <a:masterClrMapping/>
-  </p:clrMapOvr>
-</p:sld>
-</file>
-
-<file path=ppt/slides/slide24.xml><?xml version="1.0" encoding="utf-8"?>
-<p:sld xmlns:a="http://schemas.openxmlformats.org/drawingml/2006/main" xmlns:r="http://schemas.openxmlformats.org/officeDocument/2006/relationships" xmlns:p="http://schemas.openxmlformats.org/presentationml/2006/main">
-  <p:cSld>
-    <p:spTree>
-      <p:nvGrpSpPr>
-        <p:cNvPr id="1" name=""/>
-        <p:cNvGrpSpPr/>
-        <p:nvPr/>
-      </p:nvGrpSpPr>
-      <p:grpSpPr>
-        <a:xfrm>
-          <a:off x="0" y="0"/>
-          <a:ext cx="0" cy="0"/>
-          <a:chOff x="0" y="0"/>
-          <a:chExt cx="0" cy="0"/>
-        </a:xfrm>
-      </p:grpSpPr>
-      <p:sp>
-        <p:nvSpPr>
-          <p:cNvPr id="6" name="TextBox 5">
-            <a:extLst>
-              <a:ext uri="{FF2B5EF4-FFF2-40B4-BE49-F238E27FC236}">
-                <a16:creationId xmlns:a16="http://schemas.microsoft.com/office/drawing/2014/main" id="{F453C929-8CA3-4E79-AF5D-99EC8407C6CF}"/>
-              </a:ext>
-            </a:extLst>
-          </p:cNvPr>
-          <p:cNvSpPr txBox="1"/>
-          <p:nvPr/>
-        </p:nvSpPr>
-        <p:spPr>
-          <a:xfrm>
             <a:off x="5762416" y="2629032"/>
             <a:ext cx="667169" cy="707886"/>
           </a:xfrm>

--- a/수업 자료/7 - RG 엔진 기능.pptx
+++ b/수업 자료/7 - RG 엔진 기능.pptx
@@ -298,7 +298,7 @@
           <a:p>
             <a:fld id="{3BAD717E-5B48-41D6-98B3-DB23E84BF0BC}" type="datetimeFigureOut">
               <a:rPr lang="ko-KR" altLang="en-US" smtClean="0"/>
-              <a:t>2021-08-05</a:t>
+              <a:t>2021-08-10</a:t>
             </a:fld>
             <a:endParaRPr lang="ko-KR" altLang="en-US"/>
           </a:p>
@@ -496,7 +496,7 @@
           <a:p>
             <a:fld id="{3BAD717E-5B48-41D6-98B3-DB23E84BF0BC}" type="datetimeFigureOut">
               <a:rPr lang="ko-KR" altLang="en-US" smtClean="0"/>
-              <a:t>2021-08-05</a:t>
+              <a:t>2021-08-10</a:t>
             </a:fld>
             <a:endParaRPr lang="ko-KR" altLang="en-US"/>
           </a:p>
@@ -704,7 +704,7 @@
           <a:p>
             <a:fld id="{3BAD717E-5B48-41D6-98B3-DB23E84BF0BC}" type="datetimeFigureOut">
               <a:rPr lang="ko-KR" altLang="en-US" smtClean="0"/>
-              <a:t>2021-08-05</a:t>
+              <a:t>2021-08-10</a:t>
             </a:fld>
             <a:endParaRPr lang="ko-KR" altLang="en-US"/>
           </a:p>
@@ -902,7 +902,7 @@
           <a:p>
             <a:fld id="{3BAD717E-5B48-41D6-98B3-DB23E84BF0BC}" type="datetimeFigureOut">
               <a:rPr lang="ko-KR" altLang="en-US" smtClean="0"/>
-              <a:t>2021-08-05</a:t>
+              <a:t>2021-08-10</a:t>
             </a:fld>
             <a:endParaRPr lang="ko-KR" altLang="en-US"/>
           </a:p>
@@ -1177,7 +1177,7 @@
           <a:p>
             <a:fld id="{3BAD717E-5B48-41D6-98B3-DB23E84BF0BC}" type="datetimeFigureOut">
               <a:rPr lang="ko-KR" altLang="en-US" smtClean="0"/>
-              <a:t>2021-08-05</a:t>
+              <a:t>2021-08-10</a:t>
             </a:fld>
             <a:endParaRPr lang="ko-KR" altLang="en-US"/>
           </a:p>
@@ -1442,7 +1442,7 @@
           <a:p>
             <a:fld id="{3BAD717E-5B48-41D6-98B3-DB23E84BF0BC}" type="datetimeFigureOut">
               <a:rPr lang="ko-KR" altLang="en-US" smtClean="0"/>
-              <a:t>2021-08-05</a:t>
+              <a:t>2021-08-10</a:t>
             </a:fld>
             <a:endParaRPr lang="ko-KR" altLang="en-US"/>
           </a:p>
@@ -1854,7 +1854,7 @@
           <a:p>
             <a:fld id="{3BAD717E-5B48-41D6-98B3-DB23E84BF0BC}" type="datetimeFigureOut">
               <a:rPr lang="ko-KR" altLang="en-US" smtClean="0"/>
-              <a:t>2021-08-05</a:t>
+              <a:t>2021-08-10</a:t>
             </a:fld>
             <a:endParaRPr lang="ko-KR" altLang="en-US"/>
           </a:p>
@@ -1995,7 +1995,7 @@
           <a:p>
             <a:fld id="{3BAD717E-5B48-41D6-98B3-DB23E84BF0BC}" type="datetimeFigureOut">
               <a:rPr lang="ko-KR" altLang="en-US" smtClean="0"/>
-              <a:t>2021-08-05</a:t>
+              <a:t>2021-08-10</a:t>
             </a:fld>
             <a:endParaRPr lang="ko-KR" altLang="en-US"/>
           </a:p>
@@ -2108,7 +2108,7 @@
           <a:p>
             <a:fld id="{3BAD717E-5B48-41D6-98B3-DB23E84BF0BC}" type="datetimeFigureOut">
               <a:rPr lang="ko-KR" altLang="en-US" smtClean="0"/>
-              <a:t>2021-08-05</a:t>
+              <a:t>2021-08-10</a:t>
             </a:fld>
             <a:endParaRPr lang="ko-KR" altLang="en-US"/>
           </a:p>
@@ -2419,7 +2419,7 @@
           <a:p>
             <a:fld id="{3BAD717E-5B48-41D6-98B3-DB23E84BF0BC}" type="datetimeFigureOut">
               <a:rPr lang="ko-KR" altLang="en-US" smtClean="0"/>
-              <a:t>2021-08-05</a:t>
+              <a:t>2021-08-10</a:t>
             </a:fld>
             <a:endParaRPr lang="ko-KR" altLang="en-US"/>
           </a:p>
@@ -2707,7 +2707,7 @@
           <a:p>
             <a:fld id="{3BAD717E-5B48-41D6-98B3-DB23E84BF0BC}" type="datetimeFigureOut">
               <a:rPr lang="ko-KR" altLang="en-US" smtClean="0"/>
-              <a:t>2021-08-05</a:t>
+              <a:t>2021-08-10</a:t>
             </a:fld>
             <a:endParaRPr lang="ko-KR" altLang="en-US"/>
           </a:p>
@@ -2948,7 +2948,7 @@
           <a:p>
             <a:fld id="{3BAD717E-5B48-41D6-98B3-DB23E84BF0BC}" type="datetimeFigureOut">
               <a:rPr lang="ko-KR" altLang="en-US" smtClean="0"/>
-              <a:t>2021-08-05</a:t>
+              <a:t>2021-08-10</a:t>
             </a:fld>
             <a:endParaRPr lang="ko-KR" altLang="en-US"/>
           </a:p>
